--- a/bitcamp-project/ClassDiagram.pptx
+++ b/bitcamp-project/ClassDiagram.pptx
@@ -26,6 +26,7 @@
     <p:sldId id="274" r:id="rId20"/>
     <p:sldId id="275" r:id="rId21"/>
     <p:sldId id="276" r:id="rId22"/>
+    <p:sldId id="277" r:id="rId23"/>
   </p:sldIdLst>
   <p:sldSz cx="12192000" cy="6858000"/>
   <p:notesSz cx="6858000" cy="9144000"/>
@@ -281,7 +282,7 @@
           <a:p>
             <a:fld id="{A0655B3F-BFCA-5241-8475-9978727BD7EA}" type="datetimeFigureOut">
               <a:rPr lang="ko-Kore-KR" smtClean="0"/>
-              <a:t>2020. 1. 16.</a:t>
+              <a:t>2020. 1. 21.</a:t>
             </a:fld>
             <a:endParaRPr lang="ko-Kore-KR"/>
           </a:p>
@@ -481,7 +482,7 @@
           <a:p>
             <a:fld id="{A0655B3F-BFCA-5241-8475-9978727BD7EA}" type="datetimeFigureOut">
               <a:rPr lang="ko-Kore-KR" smtClean="0"/>
-              <a:t>2020. 1. 16.</a:t>
+              <a:t>2020. 1. 21.</a:t>
             </a:fld>
             <a:endParaRPr lang="ko-Kore-KR"/>
           </a:p>
@@ -691,7 +692,7 @@
           <a:p>
             <a:fld id="{A0655B3F-BFCA-5241-8475-9978727BD7EA}" type="datetimeFigureOut">
               <a:rPr lang="ko-Kore-KR" smtClean="0"/>
-              <a:t>2020. 1. 16.</a:t>
+              <a:t>2020. 1. 21.</a:t>
             </a:fld>
             <a:endParaRPr lang="ko-Kore-KR"/>
           </a:p>
@@ -891,7 +892,7 @@
           <a:p>
             <a:fld id="{A0655B3F-BFCA-5241-8475-9978727BD7EA}" type="datetimeFigureOut">
               <a:rPr lang="ko-Kore-KR" smtClean="0"/>
-              <a:t>2020. 1. 16.</a:t>
+              <a:t>2020. 1. 21.</a:t>
             </a:fld>
             <a:endParaRPr lang="ko-Kore-KR"/>
           </a:p>
@@ -1167,7 +1168,7 @@
           <a:p>
             <a:fld id="{A0655B3F-BFCA-5241-8475-9978727BD7EA}" type="datetimeFigureOut">
               <a:rPr lang="ko-Kore-KR" smtClean="0"/>
-              <a:t>2020. 1. 16.</a:t>
+              <a:t>2020. 1. 21.</a:t>
             </a:fld>
             <a:endParaRPr lang="ko-Kore-KR"/>
           </a:p>
@@ -1435,7 +1436,7 @@
           <a:p>
             <a:fld id="{A0655B3F-BFCA-5241-8475-9978727BD7EA}" type="datetimeFigureOut">
               <a:rPr lang="ko-Kore-KR" smtClean="0"/>
-              <a:t>2020. 1. 16.</a:t>
+              <a:t>2020. 1. 21.</a:t>
             </a:fld>
             <a:endParaRPr lang="ko-Kore-KR"/>
           </a:p>
@@ -1850,7 +1851,7 @@
           <a:p>
             <a:fld id="{A0655B3F-BFCA-5241-8475-9978727BD7EA}" type="datetimeFigureOut">
               <a:rPr lang="ko-Kore-KR" smtClean="0"/>
-              <a:t>2020. 1. 16.</a:t>
+              <a:t>2020. 1. 21.</a:t>
             </a:fld>
             <a:endParaRPr lang="ko-Kore-KR"/>
           </a:p>
@@ -1992,7 +1993,7 @@
           <a:p>
             <a:fld id="{A0655B3F-BFCA-5241-8475-9978727BD7EA}" type="datetimeFigureOut">
               <a:rPr lang="ko-Kore-KR" smtClean="0"/>
-              <a:t>2020. 1. 16.</a:t>
+              <a:t>2020. 1. 21.</a:t>
             </a:fld>
             <a:endParaRPr lang="ko-Kore-KR"/>
           </a:p>
@@ -2105,7 +2106,7 @@
           <a:p>
             <a:fld id="{A0655B3F-BFCA-5241-8475-9978727BD7EA}" type="datetimeFigureOut">
               <a:rPr lang="ko-Kore-KR" smtClean="0"/>
-              <a:t>2020. 1. 16.</a:t>
+              <a:t>2020. 1. 21.</a:t>
             </a:fld>
             <a:endParaRPr lang="ko-Kore-KR"/>
           </a:p>
@@ -2418,7 +2419,7 @@
           <a:p>
             <a:fld id="{A0655B3F-BFCA-5241-8475-9978727BD7EA}" type="datetimeFigureOut">
               <a:rPr lang="ko-Kore-KR" smtClean="0"/>
-              <a:t>2020. 1. 16.</a:t>
+              <a:t>2020. 1. 21.</a:t>
             </a:fld>
             <a:endParaRPr lang="ko-Kore-KR"/>
           </a:p>
@@ -2707,7 +2708,7 @@
           <a:p>
             <a:fld id="{A0655B3F-BFCA-5241-8475-9978727BD7EA}" type="datetimeFigureOut">
               <a:rPr lang="ko-Kore-KR" smtClean="0"/>
-              <a:t>2020. 1. 16.</a:t>
+              <a:t>2020. 1. 21.</a:t>
             </a:fld>
             <a:endParaRPr lang="ko-Kore-KR"/>
           </a:p>
@@ -2950,7 +2951,7 @@
           <a:p>
             <a:fld id="{A0655B3F-BFCA-5241-8475-9978727BD7EA}" type="datetimeFigureOut">
               <a:rPr lang="ko-Kore-KR" smtClean="0"/>
-              <a:t>2020. 1. 16.</a:t>
+              <a:t>2020. 1. 21.</a:t>
             </a:fld>
             <a:endParaRPr lang="ko-Kore-KR"/>
           </a:p>
@@ -23819,6 +23820,1615 @@
 </p:sld>
 </file>
 
+<file path=ppt/slides/slide22.xml><?xml version="1.0" encoding="utf-8"?>
+<p:sld xmlns:a="http://schemas.openxmlformats.org/drawingml/2006/main" xmlns:r="http://schemas.openxmlformats.org/officeDocument/2006/relationships" xmlns:p="http://schemas.openxmlformats.org/presentationml/2006/main">
+  <p:cSld>
+    <p:spTree>
+      <p:nvGrpSpPr>
+        <p:cNvPr id="1" name=""/>
+        <p:cNvGrpSpPr/>
+        <p:nvPr/>
+      </p:nvGrpSpPr>
+      <p:grpSpPr>
+        <a:xfrm>
+          <a:off x="0" y="0"/>
+          <a:ext cx="0" cy="0"/>
+          <a:chOff x="0" y="0"/>
+          <a:chExt cx="0" cy="0"/>
+        </a:xfrm>
+      </p:grpSpPr>
+      <p:sp>
+        <p:nvSpPr>
+          <p:cNvPr id="4" name="직사각형 3">
+            <a:extLst>
+              <a:ext uri="{FF2B5EF4-FFF2-40B4-BE49-F238E27FC236}">
+                <a16:creationId xmlns:a16="http://schemas.microsoft.com/office/drawing/2014/main" id="{F954BBEA-7028-1B43-871A-F28FC3EC4616}"/>
+              </a:ext>
+            </a:extLst>
+          </p:cNvPr>
+          <p:cNvSpPr/>
+          <p:nvPr/>
+        </p:nvSpPr>
+        <p:spPr>
+          <a:xfrm>
+            <a:off x="1308615" y="2925581"/>
+            <a:ext cx="1633928" cy="679882"/>
+          </a:xfrm>
+          <a:prstGeom prst="rect">
+            <a:avLst/>
+          </a:prstGeom>
+          <a:noFill/>
+          <a:ln w="12700">
+            <a:solidFill>
+              <a:schemeClr val="tx1"/>
+            </a:solidFill>
+          </a:ln>
+        </p:spPr>
+        <p:style>
+          <a:lnRef idx="2">
+            <a:schemeClr val="accent1">
+              <a:shade val="50000"/>
+            </a:schemeClr>
+          </a:lnRef>
+          <a:fillRef idx="1">
+            <a:schemeClr val="accent1"/>
+          </a:fillRef>
+          <a:effectRef idx="0">
+            <a:schemeClr val="accent1"/>
+          </a:effectRef>
+          <a:fontRef idx="minor">
+            <a:schemeClr val="lt1"/>
+          </a:fontRef>
+        </p:style>
+        <p:txBody>
+          <a:bodyPr rtlCol="0" anchor="ctr"/>
+          <a:lstStyle/>
+          <a:p>
+            <a:pPr algn="ctr"/>
+            <a:r>
+              <a:rPr lang="ko-Kore-KR" sz="1600" dirty="0">
+                <a:solidFill>
+                  <a:schemeClr val="tx1"/>
+                </a:solidFill>
+                <a:latin typeface="D2Coding" panose="020B0609020101020101" pitchFamily="49" charset="-127"/>
+                <a:ea typeface="D2Coding" panose="020B0609020101020101" pitchFamily="49" charset="-127"/>
+              </a:rPr>
+              <a:t>App</a:t>
+            </a:r>
+          </a:p>
+        </p:txBody>
+      </p:sp>
+      <p:sp>
+        <p:nvSpPr>
+          <p:cNvPr id="5" name="TextBox 4">
+            <a:extLst>
+              <a:ext uri="{FF2B5EF4-FFF2-40B4-BE49-F238E27FC236}">
+                <a16:creationId xmlns:a16="http://schemas.microsoft.com/office/drawing/2014/main" id="{8C6B9D41-3D15-6247-84C1-FE25EF4EFC3A}"/>
+              </a:ext>
+            </a:extLst>
+          </p:cNvPr>
+          <p:cNvSpPr txBox="1"/>
+          <p:nvPr/>
+        </p:nvSpPr>
+        <p:spPr>
+          <a:xfrm>
+            <a:off x="344773" y="389745"/>
+            <a:ext cx="1415772" cy="461665"/>
+          </a:xfrm>
+          <a:prstGeom prst="rect">
+            <a:avLst/>
+          </a:prstGeom>
+          <a:noFill/>
+        </p:spPr>
+        <p:txBody>
+          <a:bodyPr wrap="none" rtlCol="0">
+            <a:spAutoFit/>
+          </a:bodyPr>
+          <a:lstStyle/>
+          <a:p>
+            <a:r>
+              <a:rPr lang="ko-KR" altLang="en-US" sz="2400" dirty="0">
+                <a:latin typeface="D2Coding" panose="020B0609020101020101" pitchFamily="49" charset="-127"/>
+                <a:ea typeface="D2Coding" panose="020B0609020101020101" pitchFamily="49" charset="-127"/>
+              </a:rPr>
+              <a:t>단계</a:t>
+            </a:r>
+            <a:r>
+              <a:rPr lang="en-US" altLang="ko-KR" sz="2400" dirty="0">
+                <a:latin typeface="D2Coding" panose="020B0609020101020101" pitchFamily="49" charset="-127"/>
+                <a:ea typeface="D2Coding" panose="020B0609020101020101" pitchFamily="49" charset="-127"/>
+              </a:rPr>
+              <a:t>:</a:t>
+            </a:r>
+            <a:r>
+              <a:rPr lang="ko-KR" altLang="en-US" sz="2400" dirty="0">
+                <a:latin typeface="D2Coding" panose="020B0609020101020101" pitchFamily="49" charset="-127"/>
+                <a:ea typeface="D2Coding" panose="020B0609020101020101" pitchFamily="49" charset="-127"/>
+              </a:rPr>
+              <a:t> </a:t>
+            </a:r>
+            <a:r>
+              <a:rPr lang="en-US" altLang="ko-KR" sz="2400" dirty="0">
+                <a:latin typeface="D2Coding" panose="020B0609020101020101" pitchFamily="49" charset="-127"/>
+                <a:ea typeface="D2Coding" panose="020B0609020101020101" pitchFamily="49" charset="-127"/>
+              </a:rPr>
+              <a:t>26</a:t>
+            </a:r>
+            <a:endParaRPr lang="ko-Kore-KR" sz="2400" dirty="0">
+              <a:latin typeface="D2Coding" panose="020B0609020101020101" pitchFamily="49" charset="-127"/>
+              <a:ea typeface="D2Coding" panose="020B0609020101020101" pitchFamily="49" charset="-127"/>
+            </a:endParaRPr>
+          </a:p>
+        </p:txBody>
+      </p:sp>
+      <p:cxnSp>
+        <p:nvCxnSpPr>
+          <p:cNvPr id="11" name="직선 화살표 연결선 10">
+            <a:extLst>
+              <a:ext uri="{FF2B5EF4-FFF2-40B4-BE49-F238E27FC236}">
+                <a16:creationId xmlns:a16="http://schemas.microsoft.com/office/drawing/2014/main" id="{BF5B527A-0543-A149-A80B-D8B34F60FDF0}"/>
+              </a:ext>
+            </a:extLst>
+          </p:cNvPr>
+          <p:cNvCxnSpPr>
+            <a:cxnSpLocks/>
+            <a:stCxn id="4" idx="3"/>
+            <a:endCxn id="45" idx="1"/>
+          </p:cNvCxnSpPr>
+          <p:nvPr/>
+        </p:nvCxnSpPr>
+        <p:spPr>
+          <a:xfrm flipV="1">
+            <a:off x="2942543" y="3262359"/>
+            <a:ext cx="647600" cy="3163"/>
+          </a:xfrm>
+          <a:prstGeom prst="straightConnector1">
+            <a:avLst/>
+          </a:prstGeom>
+          <a:ln w="12700">
+            <a:solidFill>
+              <a:schemeClr val="tx1"/>
+            </a:solidFill>
+            <a:headEnd type="none" w="lg" len="lg"/>
+            <a:tailEnd type="arrow" w="lg" len="lg"/>
+          </a:ln>
+        </p:spPr>
+        <p:style>
+          <a:lnRef idx="1">
+            <a:schemeClr val="accent1"/>
+          </a:lnRef>
+          <a:fillRef idx="0">
+            <a:schemeClr val="accent1"/>
+          </a:fillRef>
+          <a:effectRef idx="0">
+            <a:schemeClr val="accent1"/>
+          </a:effectRef>
+          <a:fontRef idx="minor">
+            <a:schemeClr val="tx1"/>
+          </a:fontRef>
+        </p:style>
+      </p:cxnSp>
+      <p:sp>
+        <p:nvSpPr>
+          <p:cNvPr id="40" name="직사각형 39">
+            <a:extLst>
+              <a:ext uri="{FF2B5EF4-FFF2-40B4-BE49-F238E27FC236}">
+                <a16:creationId xmlns:a16="http://schemas.microsoft.com/office/drawing/2014/main" id="{BC66F44A-1380-464C-9B73-6A7E40289FB3}"/>
+              </a:ext>
+            </a:extLst>
+          </p:cNvPr>
+          <p:cNvSpPr/>
+          <p:nvPr/>
+        </p:nvSpPr>
+        <p:spPr>
+          <a:xfrm>
+            <a:off x="10455458" y="5087192"/>
+            <a:ext cx="1633928" cy="437148"/>
+          </a:xfrm>
+          <a:prstGeom prst="rect">
+            <a:avLst/>
+          </a:prstGeom>
+          <a:noFill/>
+          <a:ln w="12700">
+            <a:solidFill>
+              <a:schemeClr val="tx1"/>
+            </a:solidFill>
+          </a:ln>
+        </p:spPr>
+        <p:style>
+          <a:lnRef idx="2">
+            <a:schemeClr val="accent1">
+              <a:shade val="50000"/>
+            </a:schemeClr>
+          </a:lnRef>
+          <a:fillRef idx="1">
+            <a:schemeClr val="accent1"/>
+          </a:fillRef>
+          <a:effectRef idx="0">
+            <a:schemeClr val="accent1"/>
+          </a:effectRef>
+          <a:fontRef idx="minor">
+            <a:schemeClr val="lt1"/>
+          </a:fontRef>
+        </p:style>
+        <p:txBody>
+          <a:bodyPr rtlCol="0" anchor="ctr"/>
+          <a:lstStyle/>
+          <a:p>
+            <a:pPr algn="ctr"/>
+            <a:r>
+              <a:rPr lang="ko-Kore-KR" sz="1600" dirty="0">
+                <a:solidFill>
+                  <a:schemeClr val="tx1"/>
+                </a:solidFill>
+                <a:latin typeface="D2Coding" panose="020B0609020101020101" pitchFamily="49" charset="-127"/>
+                <a:ea typeface="D2Coding" panose="020B0609020101020101" pitchFamily="49" charset="-127"/>
+              </a:rPr>
+              <a:t>Member</a:t>
+            </a:r>
+          </a:p>
+        </p:txBody>
+      </p:sp>
+      <p:grpSp>
+        <p:nvGrpSpPr>
+          <p:cNvPr id="2" name="그룹 1">
+            <a:extLst>
+              <a:ext uri="{FF2B5EF4-FFF2-40B4-BE49-F238E27FC236}">
+                <a16:creationId xmlns:a16="http://schemas.microsoft.com/office/drawing/2014/main" id="{E1EA6C84-1A92-014C-A4BC-5A2858C48EC4}"/>
+              </a:ext>
+            </a:extLst>
+          </p:cNvPr>
+          <p:cNvGrpSpPr/>
+          <p:nvPr/>
+        </p:nvGrpSpPr>
+        <p:grpSpPr>
+          <a:xfrm>
+            <a:off x="10686630" y="2912614"/>
+            <a:ext cx="1160595" cy="680276"/>
+            <a:chOff x="7373805" y="2925186"/>
+            <a:chExt cx="1160595" cy="680276"/>
+          </a:xfrm>
+        </p:grpSpPr>
+        <p:sp>
+          <p:nvSpPr>
+            <p:cNvPr id="20" name="직사각형 19">
+              <a:extLst>
+                <a:ext uri="{FF2B5EF4-FFF2-40B4-BE49-F238E27FC236}">
+                  <a16:creationId xmlns:a16="http://schemas.microsoft.com/office/drawing/2014/main" id="{BD10BC95-09D9-F34B-9741-4EBB004D197D}"/>
+                </a:ext>
+              </a:extLst>
+            </p:cNvPr>
+            <p:cNvSpPr/>
+            <p:nvPr/>
+          </p:nvSpPr>
+          <p:spPr>
+            <a:xfrm>
+              <a:off x="7384794" y="2925580"/>
+              <a:ext cx="1149606" cy="679882"/>
+            </a:xfrm>
+            <a:prstGeom prst="rect">
+              <a:avLst/>
+            </a:prstGeom>
+            <a:noFill/>
+            <a:ln w="12700">
+              <a:solidFill>
+                <a:schemeClr val="tx1"/>
+              </a:solidFill>
+            </a:ln>
+          </p:spPr>
+          <p:style>
+            <a:lnRef idx="2">
+              <a:schemeClr val="accent1">
+                <a:shade val="50000"/>
+              </a:schemeClr>
+            </a:lnRef>
+            <a:fillRef idx="1">
+              <a:schemeClr val="accent1"/>
+            </a:fillRef>
+            <a:effectRef idx="0">
+              <a:schemeClr val="accent1"/>
+            </a:effectRef>
+            <a:fontRef idx="minor">
+              <a:schemeClr val="lt1"/>
+            </a:fontRef>
+          </p:style>
+          <p:txBody>
+            <a:bodyPr rtlCol="0" anchor="ctr"/>
+            <a:lstStyle/>
+            <a:p>
+              <a:pPr algn="ctr"/>
+              <a:r>
+                <a:rPr lang="ko-Kore-KR" sz="1600" dirty="0">
+                  <a:solidFill>
+                    <a:srgbClr val="FF0000"/>
+                  </a:solidFill>
+                  <a:latin typeface="D2Coding" panose="020B0609020101020101" pitchFamily="49" charset="-127"/>
+                  <a:ea typeface="D2Coding" panose="020B0609020101020101" pitchFamily="49" charset="-127"/>
+                </a:rPr>
+                <a:t>List</a:t>
+              </a:r>
+            </a:p>
+          </p:txBody>
+        </p:sp>
+        <p:sp>
+          <p:nvSpPr>
+            <p:cNvPr id="35" name="TextBox 34">
+              <a:extLst>
+                <a:ext uri="{FF2B5EF4-FFF2-40B4-BE49-F238E27FC236}">
+                  <a16:creationId xmlns:a16="http://schemas.microsoft.com/office/drawing/2014/main" id="{B6A3C4DF-7C5D-C049-96A1-952A3742ACCA}"/>
+                </a:ext>
+              </a:extLst>
+            </p:cNvPr>
+            <p:cNvSpPr txBox="1"/>
+            <p:nvPr/>
+          </p:nvSpPr>
+          <p:spPr>
+            <a:xfrm>
+              <a:off x="7373805" y="2925186"/>
+              <a:ext cx="1160595" cy="276999"/>
+            </a:xfrm>
+            <a:prstGeom prst="rect">
+              <a:avLst/>
+            </a:prstGeom>
+            <a:noFill/>
+            <a:ln w="12700">
+              <a:noFill/>
+            </a:ln>
+          </p:spPr>
+          <p:txBody>
+            <a:bodyPr wrap="square" rtlCol="0">
+              <a:spAutoFit/>
+            </a:bodyPr>
+            <a:lstStyle/>
+            <a:p>
+              <a:pPr algn="ctr"/>
+              <a:r>
+                <a:rPr lang="en-US" sz="1200" dirty="0">
+                  <a:latin typeface="D2Coding" panose="020B0609020101020101" pitchFamily="49" charset="-127"/>
+                  <a:ea typeface="D2Coding" panose="020B0609020101020101" pitchFamily="49" charset="-127"/>
+                </a:rPr>
+                <a:t>j</a:t>
+              </a:r>
+              <a:r>
+                <a:rPr lang="ko-Kore-KR" sz="1200" dirty="0">
+                  <a:latin typeface="D2Coding" panose="020B0609020101020101" pitchFamily="49" charset="-127"/>
+                  <a:ea typeface="D2Coding" panose="020B0609020101020101" pitchFamily="49" charset="-127"/>
+                </a:rPr>
+                <a:t>ava.util</a:t>
+              </a:r>
+            </a:p>
+          </p:txBody>
+        </p:sp>
+      </p:grpSp>
+      <p:grpSp>
+        <p:nvGrpSpPr>
+          <p:cNvPr id="33" name="그룹 32">
+            <a:extLst>
+              <a:ext uri="{FF2B5EF4-FFF2-40B4-BE49-F238E27FC236}">
+                <a16:creationId xmlns:a16="http://schemas.microsoft.com/office/drawing/2014/main" id="{B4A3C381-43C5-F14F-A140-C17782D6A634}"/>
+              </a:ext>
+            </a:extLst>
+          </p:cNvPr>
+          <p:cNvGrpSpPr/>
+          <p:nvPr/>
+        </p:nvGrpSpPr>
+        <p:grpSpPr>
+          <a:xfrm>
+            <a:off x="10686631" y="1447539"/>
+            <a:ext cx="1160595" cy="680276"/>
+            <a:chOff x="7373805" y="2925186"/>
+            <a:chExt cx="1160595" cy="680276"/>
+          </a:xfrm>
+        </p:grpSpPr>
+        <p:sp>
+          <p:nvSpPr>
+            <p:cNvPr id="37" name="직사각형 36">
+              <a:extLst>
+                <a:ext uri="{FF2B5EF4-FFF2-40B4-BE49-F238E27FC236}">
+                  <a16:creationId xmlns:a16="http://schemas.microsoft.com/office/drawing/2014/main" id="{70823330-B321-494A-A935-1559453A9EFD}"/>
+                </a:ext>
+              </a:extLst>
+            </p:cNvPr>
+            <p:cNvSpPr/>
+            <p:nvPr/>
+          </p:nvSpPr>
+          <p:spPr>
+            <a:xfrm>
+              <a:off x="7384794" y="2925580"/>
+              <a:ext cx="1149606" cy="679882"/>
+            </a:xfrm>
+            <a:prstGeom prst="rect">
+              <a:avLst/>
+            </a:prstGeom>
+            <a:noFill/>
+            <a:ln w="12700">
+              <a:solidFill>
+                <a:schemeClr val="tx1"/>
+              </a:solidFill>
+            </a:ln>
+          </p:spPr>
+          <p:style>
+            <a:lnRef idx="2">
+              <a:schemeClr val="accent1">
+                <a:shade val="50000"/>
+              </a:schemeClr>
+            </a:lnRef>
+            <a:fillRef idx="1">
+              <a:schemeClr val="accent1"/>
+            </a:fillRef>
+            <a:effectRef idx="0">
+              <a:schemeClr val="accent1"/>
+            </a:effectRef>
+            <a:fontRef idx="minor">
+              <a:schemeClr val="lt1"/>
+            </a:fontRef>
+          </p:style>
+          <p:txBody>
+            <a:bodyPr rtlCol="0" anchor="ctr"/>
+            <a:lstStyle/>
+            <a:p>
+              <a:pPr algn="ctr"/>
+              <a:r>
+                <a:rPr lang="ko-Kore-KR" sz="1600" dirty="0">
+                  <a:solidFill>
+                    <a:srgbClr val="FF0000"/>
+                  </a:solidFill>
+                  <a:latin typeface="D2Coding" panose="020B0609020101020101" pitchFamily="49" charset="-127"/>
+                  <a:ea typeface="D2Coding" panose="020B0609020101020101" pitchFamily="49" charset="-127"/>
+                </a:rPr>
+                <a:t>Iterator</a:t>
+              </a:r>
+            </a:p>
+          </p:txBody>
+        </p:sp>
+        <p:sp>
+          <p:nvSpPr>
+            <p:cNvPr id="38" name="TextBox 37">
+              <a:extLst>
+                <a:ext uri="{FF2B5EF4-FFF2-40B4-BE49-F238E27FC236}">
+                  <a16:creationId xmlns:a16="http://schemas.microsoft.com/office/drawing/2014/main" id="{AC23A6C4-50D8-2447-917B-93E235EA69BB}"/>
+                </a:ext>
+              </a:extLst>
+            </p:cNvPr>
+            <p:cNvSpPr txBox="1"/>
+            <p:nvPr/>
+          </p:nvSpPr>
+          <p:spPr>
+            <a:xfrm>
+              <a:off x="7373805" y="2925186"/>
+              <a:ext cx="1160595" cy="276999"/>
+            </a:xfrm>
+            <a:prstGeom prst="rect">
+              <a:avLst/>
+            </a:prstGeom>
+            <a:noFill/>
+            <a:ln w="12700">
+              <a:noFill/>
+            </a:ln>
+          </p:spPr>
+          <p:txBody>
+            <a:bodyPr wrap="square" rtlCol="0">
+              <a:spAutoFit/>
+            </a:bodyPr>
+            <a:lstStyle/>
+            <a:p>
+              <a:pPr algn="ctr"/>
+              <a:r>
+                <a:rPr lang="en-US" sz="1200" dirty="0">
+                  <a:latin typeface="D2Coding" panose="020B0609020101020101" pitchFamily="49" charset="-127"/>
+                  <a:ea typeface="D2Coding" panose="020B0609020101020101" pitchFamily="49" charset="-127"/>
+                </a:rPr>
+                <a:t>j</a:t>
+              </a:r>
+              <a:r>
+                <a:rPr lang="ko-Kore-KR" sz="1200" dirty="0">
+                  <a:latin typeface="D2Coding" panose="020B0609020101020101" pitchFamily="49" charset="-127"/>
+                  <a:ea typeface="D2Coding" panose="020B0609020101020101" pitchFamily="49" charset="-127"/>
+                </a:rPr>
+                <a:t>ava.util</a:t>
+              </a:r>
+            </a:p>
+          </p:txBody>
+        </p:sp>
+      </p:grpSp>
+      <p:cxnSp>
+        <p:nvCxnSpPr>
+          <p:cNvPr id="39" name="직선 화살표 연결선 38">
+            <a:extLst>
+              <a:ext uri="{FF2B5EF4-FFF2-40B4-BE49-F238E27FC236}">
+                <a16:creationId xmlns:a16="http://schemas.microsoft.com/office/drawing/2014/main" id="{E8A45E67-6ACE-0A44-ACB9-85FA3B1AA2A6}"/>
+              </a:ext>
+            </a:extLst>
+          </p:cNvPr>
+          <p:cNvCxnSpPr>
+            <a:cxnSpLocks/>
+            <a:stCxn id="35" idx="0"/>
+            <a:endCxn id="37" idx="2"/>
+          </p:cNvCxnSpPr>
+          <p:nvPr/>
+        </p:nvCxnSpPr>
+        <p:spPr>
+          <a:xfrm flipV="1">
+            <a:off x="11266928" y="2127815"/>
+            <a:ext cx="5495" cy="784799"/>
+          </a:xfrm>
+          <a:prstGeom prst="straightConnector1">
+            <a:avLst/>
+          </a:prstGeom>
+          <a:ln w="12700">
+            <a:solidFill>
+              <a:schemeClr val="tx1"/>
+            </a:solidFill>
+            <a:headEnd type="none" w="lg" len="lg"/>
+            <a:tailEnd type="arrow" w="lg" len="lg"/>
+          </a:ln>
+        </p:spPr>
+        <p:style>
+          <a:lnRef idx="1">
+            <a:schemeClr val="accent1"/>
+          </a:lnRef>
+          <a:fillRef idx="0">
+            <a:schemeClr val="accent1"/>
+          </a:fillRef>
+          <a:effectRef idx="0">
+            <a:schemeClr val="accent1"/>
+          </a:effectRef>
+          <a:fontRef idx="minor">
+            <a:schemeClr val="tx1"/>
+          </a:fontRef>
+        </p:style>
+      </p:cxnSp>
+      <p:sp>
+        <p:nvSpPr>
+          <p:cNvPr id="30" name="직사각형 29">
+            <a:extLst>
+              <a:ext uri="{FF2B5EF4-FFF2-40B4-BE49-F238E27FC236}">
+                <a16:creationId xmlns:a16="http://schemas.microsoft.com/office/drawing/2014/main" id="{32C7E6F2-9CA5-B149-8E98-EEC238E4B484}"/>
+              </a:ext>
+            </a:extLst>
+          </p:cNvPr>
+          <p:cNvSpPr/>
+          <p:nvPr/>
+        </p:nvSpPr>
+        <p:spPr>
+          <a:xfrm>
+            <a:off x="7217995" y="1059646"/>
+            <a:ext cx="2505857" cy="679882"/>
+          </a:xfrm>
+          <a:prstGeom prst="rect">
+            <a:avLst/>
+          </a:prstGeom>
+          <a:noFill/>
+          <a:ln w="12700">
+            <a:solidFill>
+              <a:schemeClr val="tx1"/>
+            </a:solidFill>
+          </a:ln>
+        </p:spPr>
+        <p:style>
+          <a:lnRef idx="2">
+            <a:schemeClr val="accent1">
+              <a:shade val="50000"/>
+            </a:schemeClr>
+          </a:lnRef>
+          <a:fillRef idx="1">
+            <a:schemeClr val="accent1"/>
+          </a:fillRef>
+          <a:effectRef idx="0">
+            <a:schemeClr val="accent1"/>
+          </a:effectRef>
+          <a:fontRef idx="minor">
+            <a:schemeClr val="lt1"/>
+          </a:fontRef>
+        </p:style>
+        <p:txBody>
+          <a:bodyPr rtlCol="0" anchor="ctr"/>
+          <a:lstStyle/>
+          <a:p>
+            <a:pPr algn="ctr"/>
+            <a:r>
+              <a:rPr lang="ko-Kore-KR" sz="1400" dirty="0">
+                <a:solidFill>
+                  <a:srgbClr val="FF0000"/>
+                </a:solidFill>
+                <a:latin typeface="D2Coding" panose="020B0609020101020101" pitchFamily="49" charset="-127"/>
+                <a:ea typeface="D2Coding" panose="020B0609020101020101" pitchFamily="49" charset="-127"/>
+              </a:rPr>
+              <a:t>&lt;&lt;/member/add&gt;&gt;</a:t>
+            </a:r>
+          </a:p>
+          <a:p>
+            <a:pPr algn="ctr"/>
+            <a:r>
+              <a:rPr lang="ko-Kore-KR" sz="1600" dirty="0">
+                <a:solidFill>
+                  <a:schemeClr val="tx1"/>
+                </a:solidFill>
+                <a:latin typeface="D2Coding" panose="020B0609020101020101" pitchFamily="49" charset="-127"/>
+                <a:ea typeface="D2Coding" panose="020B0609020101020101" pitchFamily="49" charset="-127"/>
+              </a:rPr>
+              <a:t>Member</a:t>
+            </a:r>
+            <a:r>
+              <a:rPr lang="en-US" sz="1600" dirty="0" err="1">
+                <a:solidFill>
+                  <a:schemeClr val="tx1"/>
+                </a:solidFill>
+                <a:latin typeface="D2Coding" panose="020B0609020101020101" pitchFamily="49" charset="-127"/>
+                <a:ea typeface="D2Coding" panose="020B0609020101020101" pitchFamily="49" charset="-127"/>
+              </a:rPr>
+              <a:t>AddCommand</a:t>
+            </a:r>
+            <a:endParaRPr lang="ko-Kore-KR" sz="1600" dirty="0">
+              <a:solidFill>
+                <a:schemeClr val="tx1"/>
+              </a:solidFill>
+              <a:latin typeface="D2Coding" panose="020B0609020101020101" pitchFamily="49" charset="-127"/>
+              <a:ea typeface="D2Coding" panose="020B0609020101020101" pitchFamily="49" charset="-127"/>
+            </a:endParaRPr>
+          </a:p>
+        </p:txBody>
+      </p:sp>
+      <p:sp>
+        <p:nvSpPr>
+          <p:cNvPr id="31" name="직사각형 30">
+            <a:extLst>
+              <a:ext uri="{FF2B5EF4-FFF2-40B4-BE49-F238E27FC236}">
+                <a16:creationId xmlns:a16="http://schemas.microsoft.com/office/drawing/2014/main" id="{805F9996-7DCB-0747-A74A-19F84F0777C7}"/>
+              </a:ext>
+            </a:extLst>
+          </p:cNvPr>
+          <p:cNvSpPr/>
+          <p:nvPr/>
+        </p:nvSpPr>
+        <p:spPr>
+          <a:xfrm>
+            <a:off x="7217995" y="1986399"/>
+            <a:ext cx="2505857" cy="679882"/>
+          </a:xfrm>
+          <a:prstGeom prst="rect">
+            <a:avLst/>
+          </a:prstGeom>
+          <a:noFill/>
+          <a:ln w="12700">
+            <a:solidFill>
+              <a:schemeClr val="tx1"/>
+            </a:solidFill>
+          </a:ln>
+        </p:spPr>
+        <p:style>
+          <a:lnRef idx="2">
+            <a:schemeClr val="accent1">
+              <a:shade val="50000"/>
+            </a:schemeClr>
+          </a:lnRef>
+          <a:fillRef idx="1">
+            <a:schemeClr val="accent1"/>
+          </a:fillRef>
+          <a:effectRef idx="0">
+            <a:schemeClr val="accent1"/>
+          </a:effectRef>
+          <a:fontRef idx="minor">
+            <a:schemeClr val="lt1"/>
+          </a:fontRef>
+        </p:style>
+        <p:txBody>
+          <a:bodyPr rtlCol="0" anchor="ctr"/>
+          <a:lstStyle/>
+          <a:p>
+            <a:pPr algn="ctr"/>
+            <a:r>
+              <a:rPr lang="ko-Kore-KR" sz="1400" dirty="0">
+                <a:solidFill>
+                  <a:srgbClr val="FF0000"/>
+                </a:solidFill>
+                <a:latin typeface="D2Coding" panose="020B0609020101020101" pitchFamily="49" charset="-127"/>
+                <a:ea typeface="D2Coding" panose="020B0609020101020101" pitchFamily="49" charset="-127"/>
+              </a:rPr>
+              <a:t>&lt;&lt;/member/list&gt;&gt;</a:t>
+            </a:r>
+            <a:endParaRPr lang="ko-Kore-KR" sz="1400" dirty="0">
+              <a:solidFill>
+                <a:schemeClr val="tx1"/>
+              </a:solidFill>
+              <a:latin typeface="D2Coding" panose="020B0609020101020101" pitchFamily="49" charset="-127"/>
+              <a:ea typeface="D2Coding" panose="020B0609020101020101" pitchFamily="49" charset="-127"/>
+            </a:endParaRPr>
+          </a:p>
+          <a:p>
+            <a:pPr algn="ctr"/>
+            <a:r>
+              <a:rPr lang="ko-Kore-KR" sz="1600" dirty="0">
+                <a:solidFill>
+                  <a:schemeClr val="tx1"/>
+                </a:solidFill>
+                <a:latin typeface="D2Coding" panose="020B0609020101020101" pitchFamily="49" charset="-127"/>
+                <a:ea typeface="D2Coding" panose="020B0609020101020101" pitchFamily="49" charset="-127"/>
+              </a:rPr>
+              <a:t>Member</a:t>
+            </a:r>
+            <a:r>
+              <a:rPr lang="en-US" sz="1600" dirty="0" err="1">
+                <a:solidFill>
+                  <a:schemeClr val="tx1"/>
+                </a:solidFill>
+                <a:latin typeface="D2Coding" panose="020B0609020101020101" pitchFamily="49" charset="-127"/>
+                <a:ea typeface="D2Coding" panose="020B0609020101020101" pitchFamily="49" charset="-127"/>
+              </a:rPr>
+              <a:t>ListCommand</a:t>
+            </a:r>
+            <a:endParaRPr lang="ko-Kore-KR" sz="1600" dirty="0">
+              <a:solidFill>
+                <a:schemeClr val="tx1"/>
+              </a:solidFill>
+              <a:latin typeface="D2Coding" panose="020B0609020101020101" pitchFamily="49" charset="-127"/>
+              <a:ea typeface="D2Coding" panose="020B0609020101020101" pitchFamily="49" charset="-127"/>
+            </a:endParaRPr>
+          </a:p>
+        </p:txBody>
+      </p:sp>
+      <p:sp>
+        <p:nvSpPr>
+          <p:cNvPr id="32" name="직사각형 31">
+            <a:extLst>
+              <a:ext uri="{FF2B5EF4-FFF2-40B4-BE49-F238E27FC236}">
+                <a16:creationId xmlns:a16="http://schemas.microsoft.com/office/drawing/2014/main" id="{B354C786-CAE2-7741-8432-7929966C5568}"/>
+              </a:ext>
+            </a:extLst>
+          </p:cNvPr>
+          <p:cNvSpPr/>
+          <p:nvPr/>
+        </p:nvSpPr>
+        <p:spPr>
+          <a:xfrm>
+            <a:off x="7217995" y="2913008"/>
+            <a:ext cx="2505857" cy="679882"/>
+          </a:xfrm>
+          <a:prstGeom prst="rect">
+            <a:avLst/>
+          </a:prstGeom>
+          <a:noFill/>
+          <a:ln w="12700">
+            <a:solidFill>
+              <a:schemeClr val="tx1"/>
+            </a:solidFill>
+          </a:ln>
+        </p:spPr>
+        <p:style>
+          <a:lnRef idx="2">
+            <a:schemeClr val="accent1">
+              <a:shade val="50000"/>
+            </a:schemeClr>
+          </a:lnRef>
+          <a:fillRef idx="1">
+            <a:schemeClr val="accent1"/>
+          </a:fillRef>
+          <a:effectRef idx="0">
+            <a:schemeClr val="accent1"/>
+          </a:effectRef>
+          <a:fontRef idx="minor">
+            <a:schemeClr val="lt1"/>
+          </a:fontRef>
+        </p:style>
+        <p:txBody>
+          <a:bodyPr rtlCol="0" anchor="ctr"/>
+          <a:lstStyle/>
+          <a:p>
+            <a:pPr algn="ctr"/>
+            <a:r>
+              <a:rPr lang="ko-Kore-KR" sz="1400" dirty="0">
+                <a:solidFill>
+                  <a:srgbClr val="FF0000"/>
+                </a:solidFill>
+                <a:latin typeface="D2Coding" panose="020B0609020101020101" pitchFamily="49" charset="-127"/>
+                <a:ea typeface="D2Coding" panose="020B0609020101020101" pitchFamily="49" charset="-127"/>
+              </a:rPr>
+              <a:t>&lt;&lt;/member/detail&gt;&gt;</a:t>
+            </a:r>
+            <a:endParaRPr lang="ko-Kore-KR" sz="1400" dirty="0">
+              <a:solidFill>
+                <a:schemeClr val="tx1"/>
+              </a:solidFill>
+              <a:latin typeface="D2Coding" panose="020B0609020101020101" pitchFamily="49" charset="-127"/>
+              <a:ea typeface="D2Coding" panose="020B0609020101020101" pitchFamily="49" charset="-127"/>
+            </a:endParaRPr>
+          </a:p>
+          <a:p>
+            <a:pPr algn="ctr"/>
+            <a:r>
+              <a:rPr lang="ko-Kore-KR" sz="1600" dirty="0">
+                <a:solidFill>
+                  <a:schemeClr val="tx1"/>
+                </a:solidFill>
+                <a:latin typeface="D2Coding" panose="020B0609020101020101" pitchFamily="49" charset="-127"/>
+                <a:ea typeface="D2Coding" panose="020B0609020101020101" pitchFamily="49" charset="-127"/>
+              </a:rPr>
+              <a:t>Member</a:t>
+            </a:r>
+            <a:r>
+              <a:rPr lang="en-US" sz="1600" dirty="0" err="1">
+                <a:solidFill>
+                  <a:schemeClr val="tx1"/>
+                </a:solidFill>
+                <a:latin typeface="D2Coding" panose="020B0609020101020101" pitchFamily="49" charset="-127"/>
+                <a:ea typeface="D2Coding" panose="020B0609020101020101" pitchFamily="49" charset="-127"/>
+              </a:rPr>
+              <a:t>DetailCommand</a:t>
+            </a:r>
+            <a:endParaRPr lang="ko-Kore-KR" sz="1600" dirty="0">
+              <a:solidFill>
+                <a:schemeClr val="tx1"/>
+              </a:solidFill>
+              <a:latin typeface="D2Coding" panose="020B0609020101020101" pitchFamily="49" charset="-127"/>
+              <a:ea typeface="D2Coding" panose="020B0609020101020101" pitchFamily="49" charset="-127"/>
+            </a:endParaRPr>
+          </a:p>
+        </p:txBody>
+      </p:sp>
+      <p:sp>
+        <p:nvSpPr>
+          <p:cNvPr id="34" name="직사각형 33">
+            <a:extLst>
+              <a:ext uri="{FF2B5EF4-FFF2-40B4-BE49-F238E27FC236}">
+                <a16:creationId xmlns:a16="http://schemas.microsoft.com/office/drawing/2014/main" id="{FED05302-503E-3446-A6A7-EB0248480438}"/>
+              </a:ext>
+            </a:extLst>
+          </p:cNvPr>
+          <p:cNvSpPr/>
+          <p:nvPr/>
+        </p:nvSpPr>
+        <p:spPr>
+          <a:xfrm>
+            <a:off x="7217995" y="3839617"/>
+            <a:ext cx="2505857" cy="679882"/>
+          </a:xfrm>
+          <a:prstGeom prst="rect">
+            <a:avLst/>
+          </a:prstGeom>
+          <a:noFill/>
+          <a:ln w="12700">
+            <a:solidFill>
+              <a:schemeClr val="tx1"/>
+            </a:solidFill>
+          </a:ln>
+        </p:spPr>
+        <p:style>
+          <a:lnRef idx="2">
+            <a:schemeClr val="accent1">
+              <a:shade val="50000"/>
+            </a:schemeClr>
+          </a:lnRef>
+          <a:fillRef idx="1">
+            <a:schemeClr val="accent1"/>
+          </a:fillRef>
+          <a:effectRef idx="0">
+            <a:schemeClr val="accent1"/>
+          </a:effectRef>
+          <a:fontRef idx="minor">
+            <a:schemeClr val="lt1"/>
+          </a:fontRef>
+        </p:style>
+        <p:txBody>
+          <a:bodyPr rtlCol="0" anchor="ctr"/>
+          <a:lstStyle/>
+          <a:p>
+            <a:pPr algn="ctr"/>
+            <a:r>
+              <a:rPr lang="ko-Kore-KR" sz="1400" dirty="0">
+                <a:solidFill>
+                  <a:srgbClr val="FF0000"/>
+                </a:solidFill>
+                <a:latin typeface="D2Coding" panose="020B0609020101020101" pitchFamily="49" charset="-127"/>
+                <a:ea typeface="D2Coding" panose="020B0609020101020101" pitchFamily="49" charset="-127"/>
+              </a:rPr>
+              <a:t>&lt;&lt;/member/update&gt;&gt;</a:t>
+            </a:r>
+            <a:endParaRPr lang="ko-Kore-KR" sz="1400" dirty="0">
+              <a:solidFill>
+                <a:schemeClr val="tx1"/>
+              </a:solidFill>
+              <a:latin typeface="D2Coding" panose="020B0609020101020101" pitchFamily="49" charset="-127"/>
+              <a:ea typeface="D2Coding" panose="020B0609020101020101" pitchFamily="49" charset="-127"/>
+            </a:endParaRPr>
+          </a:p>
+          <a:p>
+            <a:pPr algn="ctr"/>
+            <a:r>
+              <a:rPr lang="ko-Kore-KR" sz="1600" dirty="0">
+                <a:solidFill>
+                  <a:schemeClr val="tx1"/>
+                </a:solidFill>
+                <a:latin typeface="D2Coding" panose="020B0609020101020101" pitchFamily="49" charset="-127"/>
+                <a:ea typeface="D2Coding" panose="020B0609020101020101" pitchFamily="49" charset="-127"/>
+              </a:rPr>
+              <a:t>Member</a:t>
+            </a:r>
+            <a:r>
+              <a:rPr lang="en-US" sz="1600" dirty="0" err="1">
+                <a:solidFill>
+                  <a:schemeClr val="tx1"/>
+                </a:solidFill>
+                <a:latin typeface="D2Coding" panose="020B0609020101020101" pitchFamily="49" charset="-127"/>
+                <a:ea typeface="D2Coding" panose="020B0609020101020101" pitchFamily="49" charset="-127"/>
+              </a:rPr>
+              <a:t>UpdateCommand</a:t>
+            </a:r>
+            <a:endParaRPr lang="ko-Kore-KR" sz="1600" dirty="0">
+              <a:solidFill>
+                <a:schemeClr val="tx1"/>
+              </a:solidFill>
+              <a:latin typeface="D2Coding" panose="020B0609020101020101" pitchFamily="49" charset="-127"/>
+              <a:ea typeface="D2Coding" panose="020B0609020101020101" pitchFamily="49" charset="-127"/>
+            </a:endParaRPr>
+          </a:p>
+        </p:txBody>
+      </p:sp>
+      <p:sp>
+        <p:nvSpPr>
+          <p:cNvPr id="36" name="직사각형 35">
+            <a:extLst>
+              <a:ext uri="{FF2B5EF4-FFF2-40B4-BE49-F238E27FC236}">
+                <a16:creationId xmlns:a16="http://schemas.microsoft.com/office/drawing/2014/main" id="{CBB49ADD-34E1-E345-97ED-D024C445456C}"/>
+              </a:ext>
+            </a:extLst>
+          </p:cNvPr>
+          <p:cNvSpPr/>
+          <p:nvPr/>
+        </p:nvSpPr>
+        <p:spPr>
+          <a:xfrm>
+            <a:off x="7217995" y="4766226"/>
+            <a:ext cx="2505857" cy="679882"/>
+          </a:xfrm>
+          <a:prstGeom prst="rect">
+            <a:avLst/>
+          </a:prstGeom>
+          <a:noFill/>
+          <a:ln w="12700">
+            <a:solidFill>
+              <a:schemeClr val="tx1"/>
+            </a:solidFill>
+          </a:ln>
+        </p:spPr>
+        <p:style>
+          <a:lnRef idx="2">
+            <a:schemeClr val="accent1">
+              <a:shade val="50000"/>
+            </a:schemeClr>
+          </a:lnRef>
+          <a:fillRef idx="1">
+            <a:schemeClr val="accent1"/>
+          </a:fillRef>
+          <a:effectRef idx="0">
+            <a:schemeClr val="accent1"/>
+          </a:effectRef>
+          <a:fontRef idx="minor">
+            <a:schemeClr val="lt1"/>
+          </a:fontRef>
+        </p:style>
+        <p:txBody>
+          <a:bodyPr rtlCol="0" anchor="ctr"/>
+          <a:lstStyle/>
+          <a:p>
+            <a:pPr algn="ctr"/>
+            <a:r>
+              <a:rPr lang="ko-Kore-KR" sz="1400" dirty="0">
+                <a:solidFill>
+                  <a:srgbClr val="FF0000"/>
+                </a:solidFill>
+                <a:latin typeface="D2Coding" panose="020B0609020101020101" pitchFamily="49" charset="-127"/>
+                <a:ea typeface="D2Coding" panose="020B0609020101020101" pitchFamily="49" charset="-127"/>
+              </a:rPr>
+              <a:t>&lt;&lt;/member/delete&gt;&gt;</a:t>
+            </a:r>
+            <a:endParaRPr lang="ko-Kore-KR" sz="1400" dirty="0">
+              <a:solidFill>
+                <a:schemeClr val="tx1"/>
+              </a:solidFill>
+              <a:latin typeface="D2Coding" panose="020B0609020101020101" pitchFamily="49" charset="-127"/>
+              <a:ea typeface="D2Coding" panose="020B0609020101020101" pitchFamily="49" charset="-127"/>
+            </a:endParaRPr>
+          </a:p>
+          <a:p>
+            <a:pPr algn="ctr"/>
+            <a:r>
+              <a:rPr lang="ko-Kore-KR" sz="1600" dirty="0">
+                <a:solidFill>
+                  <a:schemeClr val="tx1"/>
+                </a:solidFill>
+                <a:latin typeface="D2Coding" panose="020B0609020101020101" pitchFamily="49" charset="-127"/>
+                <a:ea typeface="D2Coding" panose="020B0609020101020101" pitchFamily="49" charset="-127"/>
+              </a:rPr>
+              <a:t>Member</a:t>
+            </a:r>
+            <a:r>
+              <a:rPr lang="en-US" sz="1600" dirty="0" err="1">
+                <a:solidFill>
+                  <a:schemeClr val="tx1"/>
+                </a:solidFill>
+                <a:latin typeface="D2Coding" panose="020B0609020101020101" pitchFamily="49" charset="-127"/>
+                <a:ea typeface="D2Coding" panose="020B0609020101020101" pitchFamily="49" charset="-127"/>
+              </a:rPr>
+              <a:t>DeleteCommand</a:t>
+            </a:r>
+            <a:endParaRPr lang="ko-Kore-KR" sz="1600" dirty="0">
+              <a:solidFill>
+                <a:schemeClr val="tx1"/>
+              </a:solidFill>
+              <a:latin typeface="D2Coding" panose="020B0609020101020101" pitchFamily="49" charset="-127"/>
+              <a:ea typeface="D2Coding" panose="020B0609020101020101" pitchFamily="49" charset="-127"/>
+            </a:endParaRPr>
+          </a:p>
+        </p:txBody>
+      </p:sp>
+      <p:sp>
+        <p:nvSpPr>
+          <p:cNvPr id="45" name="직사각형 44">
+            <a:extLst>
+              <a:ext uri="{FF2B5EF4-FFF2-40B4-BE49-F238E27FC236}">
+                <a16:creationId xmlns:a16="http://schemas.microsoft.com/office/drawing/2014/main" id="{28107A20-226E-AD4D-A18F-578279F0B51B}"/>
+              </a:ext>
+            </a:extLst>
+          </p:cNvPr>
+          <p:cNvSpPr/>
+          <p:nvPr/>
+        </p:nvSpPr>
+        <p:spPr>
+          <a:xfrm>
+            <a:off x="3590143" y="2922418"/>
+            <a:ext cx="2505857" cy="679882"/>
+          </a:xfrm>
+          <a:prstGeom prst="rect">
+            <a:avLst/>
+          </a:prstGeom>
+          <a:noFill/>
+          <a:ln w="12700">
+            <a:solidFill>
+              <a:schemeClr val="tx1"/>
+            </a:solidFill>
+          </a:ln>
+        </p:spPr>
+        <p:style>
+          <a:lnRef idx="2">
+            <a:schemeClr val="accent1">
+              <a:shade val="50000"/>
+            </a:schemeClr>
+          </a:lnRef>
+          <a:fillRef idx="1">
+            <a:schemeClr val="accent1"/>
+          </a:fillRef>
+          <a:effectRef idx="0">
+            <a:schemeClr val="accent1"/>
+          </a:effectRef>
+          <a:fontRef idx="minor">
+            <a:schemeClr val="lt1"/>
+          </a:fontRef>
+        </p:style>
+        <p:txBody>
+          <a:bodyPr rtlCol="0" anchor="ctr"/>
+          <a:lstStyle/>
+          <a:p>
+            <a:pPr algn="ctr"/>
+            <a:r>
+              <a:rPr lang="ko-Kore-KR" sz="1200" dirty="0">
+                <a:solidFill>
+                  <a:schemeClr val="tx1"/>
+                </a:solidFill>
+                <a:latin typeface="D2Coding" panose="020B0609020101020101" pitchFamily="49" charset="-127"/>
+                <a:ea typeface="D2Coding" panose="020B0609020101020101" pitchFamily="49" charset="-127"/>
+              </a:rPr>
+              <a:t>&lt;&lt;interface&gt;&gt;</a:t>
+            </a:r>
+          </a:p>
+          <a:p>
+            <a:pPr algn="ctr"/>
+            <a:r>
+              <a:rPr lang="ko-Kore-KR" sz="1600" dirty="0">
+                <a:solidFill>
+                  <a:schemeClr val="tx1"/>
+                </a:solidFill>
+                <a:latin typeface="D2Coding" panose="020B0609020101020101" pitchFamily="49" charset="-127"/>
+                <a:ea typeface="D2Coding" panose="020B0609020101020101" pitchFamily="49" charset="-127"/>
+              </a:rPr>
+              <a:t>Command</a:t>
+            </a:r>
+          </a:p>
+        </p:txBody>
+      </p:sp>
+      <p:cxnSp>
+        <p:nvCxnSpPr>
+          <p:cNvPr id="26" name="꺾인 연결선[E] 25">
+            <a:extLst>
+              <a:ext uri="{FF2B5EF4-FFF2-40B4-BE49-F238E27FC236}">
+                <a16:creationId xmlns:a16="http://schemas.microsoft.com/office/drawing/2014/main" id="{17E5F67B-E787-9448-AE00-61B506151F52}"/>
+              </a:ext>
+            </a:extLst>
+          </p:cNvPr>
+          <p:cNvCxnSpPr>
+            <a:stCxn id="45" idx="3"/>
+            <a:endCxn id="30" idx="1"/>
+          </p:cNvCxnSpPr>
+          <p:nvPr/>
+        </p:nvCxnSpPr>
+        <p:spPr>
+          <a:xfrm flipV="1">
+            <a:off x="6096000" y="1399587"/>
+            <a:ext cx="1121995" cy="1862772"/>
+          </a:xfrm>
+          <a:prstGeom prst="bentConnector3">
+            <a:avLst/>
+          </a:prstGeom>
+          <a:ln w="12700">
+            <a:solidFill>
+              <a:schemeClr val="tx1"/>
+            </a:solidFill>
+            <a:prstDash val="sysDash"/>
+            <a:headEnd type="triangle" w="lg" len="lg"/>
+            <a:tailEnd type="none"/>
+          </a:ln>
+        </p:spPr>
+        <p:style>
+          <a:lnRef idx="1">
+            <a:schemeClr val="accent1"/>
+          </a:lnRef>
+          <a:fillRef idx="0">
+            <a:schemeClr val="accent1"/>
+          </a:fillRef>
+          <a:effectRef idx="0">
+            <a:schemeClr val="accent1"/>
+          </a:effectRef>
+          <a:fontRef idx="minor">
+            <a:schemeClr val="tx1"/>
+          </a:fontRef>
+        </p:style>
+      </p:cxnSp>
+      <p:cxnSp>
+        <p:nvCxnSpPr>
+          <p:cNvPr id="51" name="꺾인 연결선[E] 50">
+            <a:extLst>
+              <a:ext uri="{FF2B5EF4-FFF2-40B4-BE49-F238E27FC236}">
+                <a16:creationId xmlns:a16="http://schemas.microsoft.com/office/drawing/2014/main" id="{4F9C7641-95BF-C542-ACA8-41AD49405B90}"/>
+              </a:ext>
+            </a:extLst>
+          </p:cNvPr>
+          <p:cNvCxnSpPr>
+            <a:cxnSpLocks/>
+            <a:stCxn id="45" idx="3"/>
+            <a:endCxn id="31" idx="1"/>
+          </p:cNvCxnSpPr>
+          <p:nvPr/>
+        </p:nvCxnSpPr>
+        <p:spPr>
+          <a:xfrm flipV="1">
+            <a:off x="6096000" y="2326340"/>
+            <a:ext cx="1121995" cy="936019"/>
+          </a:xfrm>
+          <a:prstGeom prst="bentConnector3">
+            <a:avLst>
+              <a:gd name="adj1" fmla="val 50000"/>
+            </a:avLst>
+          </a:prstGeom>
+          <a:ln w="12700">
+            <a:solidFill>
+              <a:schemeClr val="tx1"/>
+            </a:solidFill>
+            <a:prstDash val="sysDash"/>
+            <a:headEnd type="triangle" w="lg" len="lg"/>
+            <a:tailEnd type="none"/>
+          </a:ln>
+        </p:spPr>
+        <p:style>
+          <a:lnRef idx="1">
+            <a:schemeClr val="accent1"/>
+          </a:lnRef>
+          <a:fillRef idx="0">
+            <a:schemeClr val="accent1"/>
+          </a:fillRef>
+          <a:effectRef idx="0">
+            <a:schemeClr val="accent1"/>
+          </a:effectRef>
+          <a:fontRef idx="minor">
+            <a:schemeClr val="tx1"/>
+          </a:fontRef>
+        </p:style>
+      </p:cxnSp>
+      <p:cxnSp>
+        <p:nvCxnSpPr>
+          <p:cNvPr id="56" name="꺾인 연결선[E] 55">
+            <a:extLst>
+              <a:ext uri="{FF2B5EF4-FFF2-40B4-BE49-F238E27FC236}">
+                <a16:creationId xmlns:a16="http://schemas.microsoft.com/office/drawing/2014/main" id="{D28EC8A1-ECC5-F54B-83E5-EADFB8929A9B}"/>
+              </a:ext>
+            </a:extLst>
+          </p:cNvPr>
+          <p:cNvCxnSpPr>
+            <a:cxnSpLocks/>
+            <a:stCxn id="45" idx="3"/>
+            <a:endCxn id="32" idx="1"/>
+          </p:cNvCxnSpPr>
+          <p:nvPr/>
+        </p:nvCxnSpPr>
+        <p:spPr>
+          <a:xfrm flipV="1">
+            <a:off x="6096000" y="3252949"/>
+            <a:ext cx="1121995" cy="9410"/>
+          </a:xfrm>
+          <a:prstGeom prst="bentConnector3">
+            <a:avLst>
+              <a:gd name="adj1" fmla="val 50000"/>
+            </a:avLst>
+          </a:prstGeom>
+          <a:ln w="12700">
+            <a:solidFill>
+              <a:schemeClr val="tx1"/>
+            </a:solidFill>
+            <a:prstDash val="sysDash"/>
+            <a:headEnd type="triangle" w="lg" len="lg"/>
+            <a:tailEnd type="none"/>
+          </a:ln>
+        </p:spPr>
+        <p:style>
+          <a:lnRef idx="1">
+            <a:schemeClr val="accent1"/>
+          </a:lnRef>
+          <a:fillRef idx="0">
+            <a:schemeClr val="accent1"/>
+          </a:fillRef>
+          <a:effectRef idx="0">
+            <a:schemeClr val="accent1"/>
+          </a:effectRef>
+          <a:fontRef idx="minor">
+            <a:schemeClr val="tx1"/>
+          </a:fontRef>
+        </p:style>
+      </p:cxnSp>
+      <p:cxnSp>
+        <p:nvCxnSpPr>
+          <p:cNvPr id="57" name="꺾인 연결선[E] 56">
+            <a:extLst>
+              <a:ext uri="{FF2B5EF4-FFF2-40B4-BE49-F238E27FC236}">
+                <a16:creationId xmlns:a16="http://schemas.microsoft.com/office/drawing/2014/main" id="{F9120F55-1909-0347-BB10-B2108F13D146}"/>
+              </a:ext>
+            </a:extLst>
+          </p:cNvPr>
+          <p:cNvCxnSpPr>
+            <a:cxnSpLocks/>
+            <a:stCxn id="45" idx="3"/>
+            <a:endCxn id="34" idx="1"/>
+          </p:cNvCxnSpPr>
+          <p:nvPr/>
+        </p:nvCxnSpPr>
+        <p:spPr>
+          <a:xfrm>
+            <a:off x="6096000" y="3262359"/>
+            <a:ext cx="1121995" cy="917199"/>
+          </a:xfrm>
+          <a:prstGeom prst="bentConnector3">
+            <a:avLst>
+              <a:gd name="adj1" fmla="val 50000"/>
+            </a:avLst>
+          </a:prstGeom>
+          <a:ln w="12700">
+            <a:solidFill>
+              <a:schemeClr val="tx1"/>
+            </a:solidFill>
+            <a:prstDash val="sysDash"/>
+            <a:headEnd type="triangle" w="lg" len="lg"/>
+            <a:tailEnd type="none"/>
+          </a:ln>
+        </p:spPr>
+        <p:style>
+          <a:lnRef idx="1">
+            <a:schemeClr val="accent1"/>
+          </a:lnRef>
+          <a:fillRef idx="0">
+            <a:schemeClr val="accent1"/>
+          </a:fillRef>
+          <a:effectRef idx="0">
+            <a:schemeClr val="accent1"/>
+          </a:effectRef>
+          <a:fontRef idx="minor">
+            <a:schemeClr val="tx1"/>
+          </a:fontRef>
+        </p:style>
+      </p:cxnSp>
+      <p:cxnSp>
+        <p:nvCxnSpPr>
+          <p:cNvPr id="60" name="꺾인 연결선[E] 59">
+            <a:extLst>
+              <a:ext uri="{FF2B5EF4-FFF2-40B4-BE49-F238E27FC236}">
+                <a16:creationId xmlns:a16="http://schemas.microsoft.com/office/drawing/2014/main" id="{DFDBF4E0-C2E3-8F4F-AC04-B35600087502}"/>
+              </a:ext>
+            </a:extLst>
+          </p:cNvPr>
+          <p:cNvCxnSpPr>
+            <a:cxnSpLocks/>
+            <a:stCxn id="45" idx="3"/>
+            <a:endCxn id="36" idx="1"/>
+          </p:cNvCxnSpPr>
+          <p:nvPr/>
+        </p:nvCxnSpPr>
+        <p:spPr>
+          <a:xfrm>
+            <a:off x="6096000" y="3262359"/>
+            <a:ext cx="1121995" cy="1843808"/>
+          </a:xfrm>
+          <a:prstGeom prst="bentConnector3">
+            <a:avLst>
+              <a:gd name="adj1" fmla="val 50000"/>
+            </a:avLst>
+          </a:prstGeom>
+          <a:ln w="12700">
+            <a:solidFill>
+              <a:schemeClr val="tx1"/>
+            </a:solidFill>
+            <a:prstDash val="sysDash"/>
+            <a:headEnd type="triangle" w="lg" len="lg"/>
+            <a:tailEnd type="none"/>
+          </a:ln>
+        </p:spPr>
+        <p:style>
+          <a:lnRef idx="1">
+            <a:schemeClr val="accent1"/>
+          </a:lnRef>
+          <a:fillRef idx="0">
+            <a:schemeClr val="accent1"/>
+          </a:fillRef>
+          <a:effectRef idx="0">
+            <a:schemeClr val="accent1"/>
+          </a:effectRef>
+          <a:fontRef idx="minor">
+            <a:schemeClr val="tx1"/>
+          </a:fontRef>
+        </p:style>
+      </p:cxnSp>
+      <p:cxnSp>
+        <p:nvCxnSpPr>
+          <p:cNvPr id="63" name="직선 화살표 연결선 62">
+            <a:extLst>
+              <a:ext uri="{FF2B5EF4-FFF2-40B4-BE49-F238E27FC236}">
+                <a16:creationId xmlns:a16="http://schemas.microsoft.com/office/drawing/2014/main" id="{D6D4FDB7-8249-1E4D-AB23-2837B627605D}"/>
+              </a:ext>
+            </a:extLst>
+          </p:cNvPr>
+          <p:cNvCxnSpPr>
+            <a:cxnSpLocks/>
+            <a:stCxn id="30" idx="3"/>
+          </p:cNvCxnSpPr>
+          <p:nvPr/>
+        </p:nvCxnSpPr>
+        <p:spPr>
+          <a:xfrm>
+            <a:off x="9723852" y="1399587"/>
+            <a:ext cx="962779" cy="1862772"/>
+          </a:xfrm>
+          <a:prstGeom prst="straightConnector1">
+            <a:avLst/>
+          </a:prstGeom>
+          <a:ln w="12700">
+            <a:solidFill>
+              <a:schemeClr val="tx1"/>
+            </a:solidFill>
+            <a:headEnd type="none" w="lg" len="lg"/>
+            <a:tailEnd type="arrow" w="lg" len="lg"/>
+          </a:ln>
+        </p:spPr>
+        <p:style>
+          <a:lnRef idx="1">
+            <a:schemeClr val="accent1"/>
+          </a:lnRef>
+          <a:fillRef idx="0">
+            <a:schemeClr val="accent1"/>
+          </a:fillRef>
+          <a:effectRef idx="0">
+            <a:schemeClr val="accent1"/>
+          </a:effectRef>
+          <a:fontRef idx="minor">
+            <a:schemeClr val="tx1"/>
+          </a:fontRef>
+        </p:style>
+      </p:cxnSp>
+      <p:cxnSp>
+        <p:nvCxnSpPr>
+          <p:cNvPr id="66" name="직선 화살표 연결선 65">
+            <a:extLst>
+              <a:ext uri="{FF2B5EF4-FFF2-40B4-BE49-F238E27FC236}">
+                <a16:creationId xmlns:a16="http://schemas.microsoft.com/office/drawing/2014/main" id="{BA5E2C29-3A2D-1048-907E-0A25221F956F}"/>
+              </a:ext>
+            </a:extLst>
+          </p:cNvPr>
+          <p:cNvCxnSpPr>
+            <a:cxnSpLocks/>
+            <a:stCxn id="31" idx="3"/>
+            <a:endCxn id="20" idx="1"/>
+          </p:cNvCxnSpPr>
+          <p:nvPr/>
+        </p:nvCxnSpPr>
+        <p:spPr>
+          <a:xfrm>
+            <a:off x="9723852" y="2326340"/>
+            <a:ext cx="973767" cy="926609"/>
+          </a:xfrm>
+          <a:prstGeom prst="straightConnector1">
+            <a:avLst/>
+          </a:prstGeom>
+          <a:ln w="12700">
+            <a:solidFill>
+              <a:schemeClr val="tx1"/>
+            </a:solidFill>
+            <a:headEnd type="none" w="lg" len="lg"/>
+            <a:tailEnd type="arrow" w="lg" len="lg"/>
+          </a:ln>
+        </p:spPr>
+        <p:style>
+          <a:lnRef idx="1">
+            <a:schemeClr val="accent1"/>
+          </a:lnRef>
+          <a:fillRef idx="0">
+            <a:schemeClr val="accent1"/>
+          </a:fillRef>
+          <a:effectRef idx="0">
+            <a:schemeClr val="accent1"/>
+          </a:effectRef>
+          <a:fontRef idx="minor">
+            <a:schemeClr val="tx1"/>
+          </a:fontRef>
+        </p:style>
+      </p:cxnSp>
+      <p:cxnSp>
+        <p:nvCxnSpPr>
+          <p:cNvPr id="69" name="직선 화살표 연결선 68">
+            <a:extLst>
+              <a:ext uri="{FF2B5EF4-FFF2-40B4-BE49-F238E27FC236}">
+                <a16:creationId xmlns:a16="http://schemas.microsoft.com/office/drawing/2014/main" id="{32EEE308-818C-0440-A30E-B10664B6DBF3}"/>
+              </a:ext>
+            </a:extLst>
+          </p:cNvPr>
+          <p:cNvCxnSpPr>
+            <a:cxnSpLocks/>
+            <a:stCxn id="32" idx="3"/>
+            <a:endCxn id="20" idx="1"/>
+          </p:cNvCxnSpPr>
+          <p:nvPr/>
+        </p:nvCxnSpPr>
+        <p:spPr>
+          <a:xfrm>
+            <a:off x="9723852" y="3252949"/>
+            <a:ext cx="973767" cy="0"/>
+          </a:xfrm>
+          <a:prstGeom prst="straightConnector1">
+            <a:avLst/>
+          </a:prstGeom>
+          <a:ln w="12700">
+            <a:solidFill>
+              <a:schemeClr val="tx1"/>
+            </a:solidFill>
+            <a:headEnd type="none" w="lg" len="lg"/>
+            <a:tailEnd type="arrow" w="lg" len="lg"/>
+          </a:ln>
+        </p:spPr>
+        <p:style>
+          <a:lnRef idx="1">
+            <a:schemeClr val="accent1"/>
+          </a:lnRef>
+          <a:fillRef idx="0">
+            <a:schemeClr val="accent1"/>
+          </a:fillRef>
+          <a:effectRef idx="0">
+            <a:schemeClr val="accent1"/>
+          </a:effectRef>
+          <a:fontRef idx="minor">
+            <a:schemeClr val="tx1"/>
+          </a:fontRef>
+        </p:style>
+      </p:cxnSp>
+      <p:cxnSp>
+        <p:nvCxnSpPr>
+          <p:cNvPr id="72" name="직선 화살표 연결선 71">
+            <a:extLst>
+              <a:ext uri="{FF2B5EF4-FFF2-40B4-BE49-F238E27FC236}">
+                <a16:creationId xmlns:a16="http://schemas.microsoft.com/office/drawing/2014/main" id="{E9FFE200-8F5F-404E-A63D-0A399C39D149}"/>
+              </a:ext>
+            </a:extLst>
+          </p:cNvPr>
+          <p:cNvCxnSpPr>
+            <a:cxnSpLocks/>
+            <a:stCxn id="34" idx="3"/>
+            <a:endCxn id="20" idx="1"/>
+          </p:cNvCxnSpPr>
+          <p:nvPr/>
+        </p:nvCxnSpPr>
+        <p:spPr>
+          <a:xfrm flipV="1">
+            <a:off x="9723852" y="3252949"/>
+            <a:ext cx="973767" cy="926609"/>
+          </a:xfrm>
+          <a:prstGeom prst="straightConnector1">
+            <a:avLst/>
+          </a:prstGeom>
+          <a:ln w="12700">
+            <a:solidFill>
+              <a:schemeClr val="tx1"/>
+            </a:solidFill>
+            <a:headEnd type="none" w="lg" len="lg"/>
+            <a:tailEnd type="arrow" w="lg" len="lg"/>
+          </a:ln>
+        </p:spPr>
+        <p:style>
+          <a:lnRef idx="1">
+            <a:schemeClr val="accent1"/>
+          </a:lnRef>
+          <a:fillRef idx="0">
+            <a:schemeClr val="accent1"/>
+          </a:fillRef>
+          <a:effectRef idx="0">
+            <a:schemeClr val="accent1"/>
+          </a:effectRef>
+          <a:fontRef idx="minor">
+            <a:schemeClr val="tx1"/>
+          </a:fontRef>
+        </p:style>
+      </p:cxnSp>
+      <p:cxnSp>
+        <p:nvCxnSpPr>
+          <p:cNvPr id="75" name="직선 화살표 연결선 74">
+            <a:extLst>
+              <a:ext uri="{FF2B5EF4-FFF2-40B4-BE49-F238E27FC236}">
+                <a16:creationId xmlns:a16="http://schemas.microsoft.com/office/drawing/2014/main" id="{8738FA21-687C-CE41-8A88-93E8D8758AF7}"/>
+              </a:ext>
+            </a:extLst>
+          </p:cNvPr>
+          <p:cNvCxnSpPr>
+            <a:cxnSpLocks/>
+            <a:stCxn id="36" idx="3"/>
+            <a:endCxn id="20" idx="1"/>
+          </p:cNvCxnSpPr>
+          <p:nvPr/>
+        </p:nvCxnSpPr>
+        <p:spPr>
+          <a:xfrm flipV="1">
+            <a:off x="9723852" y="3252949"/>
+            <a:ext cx="973767" cy="1853218"/>
+          </a:xfrm>
+          <a:prstGeom prst="straightConnector1">
+            <a:avLst/>
+          </a:prstGeom>
+          <a:ln w="12700">
+            <a:solidFill>
+              <a:schemeClr val="tx1"/>
+            </a:solidFill>
+            <a:headEnd type="none" w="lg" len="lg"/>
+            <a:tailEnd type="arrow" w="lg" len="lg"/>
+          </a:ln>
+        </p:spPr>
+        <p:style>
+          <a:lnRef idx="1">
+            <a:schemeClr val="accent1"/>
+          </a:lnRef>
+          <a:fillRef idx="0">
+            <a:schemeClr val="accent1"/>
+          </a:fillRef>
+          <a:effectRef idx="0">
+            <a:schemeClr val="accent1"/>
+          </a:effectRef>
+          <a:fontRef idx="minor">
+            <a:schemeClr val="tx1"/>
+          </a:fontRef>
+        </p:style>
+      </p:cxnSp>
+    </p:spTree>
+    <p:extLst>
+      <p:ext uri="{BB962C8B-B14F-4D97-AF65-F5344CB8AC3E}">
+        <p14:creationId xmlns:p14="http://schemas.microsoft.com/office/powerpoint/2010/main" val="251095173"/>
+      </p:ext>
+    </p:extLst>
+  </p:cSld>
+  <p:clrMapOvr>
+    <a:masterClrMapping/>
+  </p:clrMapOvr>
+</p:sld>
+</file>
+
 <file path=ppt/slides/slide3.xml><?xml version="1.0" encoding="utf-8"?>
 <p:sld xmlns:a="http://schemas.openxmlformats.org/drawingml/2006/main" xmlns:r="http://schemas.openxmlformats.org/officeDocument/2006/relationships" xmlns:p="http://schemas.openxmlformats.org/presentationml/2006/main">
   <p:cSld>
